--- a/archimate/ArchiMate_pages.pptx
+++ b/archimate/ArchiMate_pages.pptx
@@ -10656,10 +10656,10 @@
       </p:sp>
       <p:pic>
         <p:nvPicPr>
-          <p:cNvPr id="6" name="Picture 5">
+          <p:cNvPr id="9" name="Picture 8">
             <a:extLst>
               <a:ext uri="{FF2B5EF4-FFF2-40B4-BE49-F238E27FC236}">
-                <a16:creationId xmlns:a16="http://schemas.microsoft.com/office/drawing/2014/main" id="{A2F4DB93-A5EE-1136-69BE-BAA39D09D58C}"/>
+                <a16:creationId xmlns:a16="http://schemas.microsoft.com/office/drawing/2014/main" id="{B6A7BF93-DA2E-EA6A-C236-2EB2F25E5920}"/>
               </a:ext>
             </a:extLst>
           </p:cNvPr>
@@ -10676,20 +10676,30 @@
         </p:blipFill>
         <p:spPr>
           <a:xfrm>
-            <a:off x="6846794" y="1147918"/>
-            <a:ext cx="3810000" cy="1000125"/>
+            <a:off x="1871384" y="2403108"/>
+            <a:ext cx="8488674" cy="4303404"/>
           </a:xfrm>
           <a:prstGeom prst="rect">
             <a:avLst/>
           </a:prstGeom>
+          <a:ln>
+            <a:noFill/>
+          </a:ln>
+          <a:effectLst>
+            <a:outerShdw blurRad="292100" dist="139700" dir="2700000" algn="tl" rotWithShape="0">
+              <a:srgbClr val="333333">
+                <a:alpha val="65000"/>
+              </a:srgbClr>
+            </a:outerShdw>
+          </a:effectLst>
         </p:spPr>
       </p:pic>
       <p:pic>
         <p:nvPicPr>
-          <p:cNvPr id="9" name="Picture 8">
+          <p:cNvPr id="11" name="Picture 10">
             <a:extLst>
               <a:ext uri="{FF2B5EF4-FFF2-40B4-BE49-F238E27FC236}">
-                <a16:creationId xmlns:a16="http://schemas.microsoft.com/office/drawing/2014/main" id="{B6A7BF93-DA2E-EA6A-C236-2EB2F25E5920}"/>
+                <a16:creationId xmlns:a16="http://schemas.microsoft.com/office/drawing/2014/main" id="{25A5C7ED-1673-3F7C-7575-46A0B0F73FB6}"/>
               </a:ext>
             </a:extLst>
           </p:cNvPr>
@@ -10706,8 +10716,48 @@
         </p:blipFill>
         <p:spPr>
           <a:xfrm>
-            <a:off x="1871384" y="2403108"/>
-            <a:ext cx="8488674" cy="4303404"/>
+            <a:off x="7586979" y="202064"/>
+            <a:ext cx="2437961" cy="818000"/>
+          </a:xfrm>
+          <a:prstGeom prst="rect">
+            <a:avLst/>
+          </a:prstGeom>
+          <a:ln>
+            <a:noFill/>
+          </a:ln>
+          <a:effectLst>
+            <a:outerShdw blurRad="292100" dist="139700" dir="2700000" algn="tl" rotWithShape="0">
+              <a:srgbClr val="333333">
+                <a:alpha val="65000"/>
+              </a:srgbClr>
+            </a:outerShdw>
+          </a:effectLst>
+        </p:spPr>
+      </p:pic>
+      <p:pic>
+        <p:nvPicPr>
+          <p:cNvPr id="6" name="Picture 5">
+            <a:extLst>
+              <a:ext uri="{FF2B5EF4-FFF2-40B4-BE49-F238E27FC236}">
+                <a16:creationId xmlns:a16="http://schemas.microsoft.com/office/drawing/2014/main" id="{A2F4DB93-A5EE-1136-69BE-BAA39D09D58C}"/>
+              </a:ext>
+            </a:extLst>
+          </p:cNvPr>
+          <p:cNvPicPr>
+            <a:picLocks noChangeAspect="1"/>
+          </p:cNvPicPr>
+          <p:nvPr/>
+        </p:nvPicPr>
+        <p:blipFill>
+          <a:blip r:embed="rId4"/>
+          <a:stretch>
+            <a:fillRect/>
+          </a:stretch>
+        </p:blipFill>
+        <p:spPr>
+          <a:xfrm>
+            <a:off x="6846794" y="1147918"/>
+            <a:ext cx="3810000" cy="1000125"/>
           </a:xfrm>
           <a:prstGeom prst="rect">
             <a:avLst/>
